--- a/Object Fomatting/Formatting Presentation.pptx
+++ b/Object Fomatting/Formatting Presentation.pptx
@@ -5,7 +5,7 @@
     <p:sldMasterId id="2147483648" r:id="rId4"/>
   </p:sldMasterIdLst>
   <p:notesMasterIdLst>
-    <p:notesMasterId r:id="rId14"/>
+    <p:notesMasterId r:id="rId15"/>
   </p:notesMasterIdLst>
   <p:sldIdLst>
     <p:sldId id="260" r:id="rId5"/>
@@ -17,6 +17,7 @@
     <p:sldId id="264" r:id="rId11"/>
     <p:sldId id="265" r:id="rId12"/>
     <p:sldId id="266" r:id="rId13"/>
+    <p:sldId id="267" r:id="rId14"/>
   </p:sldIdLst>
   <p:sldSz cx="12192000" cy="6858000"/>
   <p:notesSz cx="6858000" cy="9144000"/>
@@ -4939,6 +4940,114 @@
 </p:sld>
 </file>
 
+<file path=ppt/slides/slide10.xml><?xml version="1.0" encoding="utf-8"?>
+<p:sld xmlns:a="http://schemas.openxmlformats.org/drawingml/2006/main" xmlns:r="http://schemas.openxmlformats.org/officeDocument/2006/relationships" xmlns:p="http://schemas.openxmlformats.org/presentationml/2006/main">
+  <p:cSld>
+    <p:spTree>
+      <p:nvGrpSpPr>
+        <p:cNvPr id="1" name=""/>
+        <p:cNvGrpSpPr/>
+        <p:nvPr/>
+      </p:nvGrpSpPr>
+      <p:grpSpPr>
+        <a:xfrm>
+          <a:off x="0" y="0"/>
+          <a:ext cx="0" cy="0"/>
+          <a:chOff x="0" y="0"/>
+          <a:chExt cx="0" cy="0"/>
+        </a:xfrm>
+      </p:grpSpPr>
+      <p:sp>
+        <p:nvSpPr>
+          <p:cNvPr id="2" name="Title 1">
+            <a:extLst>
+              <a:ext uri="{FF2B5EF4-FFF2-40B4-BE49-F238E27FC236}">
+                <a16:creationId xmlns:a16="http://schemas.microsoft.com/office/drawing/2014/main" id="{10D8E115-6F01-4C77-94A6-185FEAE0C149}"/>
+              </a:ext>
+            </a:extLst>
+          </p:cNvPr>
+          <p:cNvSpPr>
+            <a:spLocks noGrp="1"/>
+          </p:cNvSpPr>
+          <p:nvPr>
+            <p:ph type="title"/>
+          </p:nvPr>
+        </p:nvSpPr>
+        <p:spPr/>
+        <p:txBody>
+          <a:bodyPr/>
+          <a:lstStyle/>
+          <a:p>
+            <a:pPr algn="ctr"/>
+            <a:r>
+              <a:rPr lang="en-US" dirty="0"/>
+              <a:t>DEMOS</a:t>
+            </a:r>
+          </a:p>
+        </p:txBody>
+      </p:sp>
+      <p:pic>
+        <p:nvPicPr>
+          <p:cNvPr id="1028" name="Picture 4" descr="See the source image">
+            <a:extLst>
+              <a:ext uri="{FF2B5EF4-FFF2-40B4-BE49-F238E27FC236}">
+                <a16:creationId xmlns:a16="http://schemas.microsoft.com/office/drawing/2014/main" id="{1AD41841-DD8E-4818-8577-373EBFCA2132}"/>
+              </a:ext>
+            </a:extLst>
+          </p:cNvPr>
+          <p:cNvPicPr>
+            <a:picLocks noGrp="1" noChangeAspect="1" noChangeArrowheads="1"/>
+          </p:cNvPicPr>
+          <p:nvPr>
+            <p:ph idx="1"/>
+          </p:nvPr>
+        </p:nvPicPr>
+        <p:blipFill>
+          <a:blip r:embed="rId2">
+            <a:extLst>
+              <a:ext uri="{28A0092B-C50C-407E-A947-70E740481C1C}">
+                <a14:useLocalDpi xmlns:a14="http://schemas.microsoft.com/office/drawing/2010/main" val="0"/>
+              </a:ext>
+            </a:extLst>
+          </a:blip>
+          <a:srcRect/>
+          <a:stretch>
+            <a:fillRect/>
+          </a:stretch>
+        </p:blipFill>
+        <p:spPr bwMode="auto">
+          <a:xfrm>
+            <a:off x="3087445" y="2016125"/>
+            <a:ext cx="6648226" cy="3954369"/>
+          </a:xfrm>
+          <a:prstGeom prst="rect">
+            <a:avLst/>
+          </a:prstGeom>
+          <a:noFill/>
+          <a:extLst>
+            <a:ext uri="{909E8E84-426E-40DD-AFC4-6F175D3DCCD1}">
+              <a14:hiddenFill xmlns:a14="http://schemas.microsoft.com/office/drawing/2010/main">
+                <a:solidFill>
+                  <a:srgbClr val="FFFFFF"/>
+                </a:solidFill>
+              </a14:hiddenFill>
+            </a:ext>
+          </a:extLst>
+        </p:spPr>
+      </p:pic>
+    </p:spTree>
+    <p:extLst>
+      <p:ext uri="{BB962C8B-B14F-4D97-AF65-F5344CB8AC3E}">
+        <p14:creationId xmlns:p14="http://schemas.microsoft.com/office/powerpoint/2010/main" val="2211094267"/>
+      </p:ext>
+    </p:extLst>
+  </p:cSld>
+  <p:clrMapOvr>
+    <a:masterClrMapping/>
+  </p:clrMapOvr>
+</p:sld>
+</file>
+
 <file path=ppt/slides/slide2.xml><?xml version="1.0" encoding="utf-8"?>
 <p:sld xmlns:a="http://schemas.openxmlformats.org/drawingml/2006/main" xmlns:r="http://schemas.openxmlformats.org/officeDocument/2006/relationships" xmlns:p="http://schemas.openxmlformats.org/presentationml/2006/main">
   <p:cSld>
@@ -5259,7 +5368,7 @@
           <a:p>
             <a:r>
               <a:rPr lang="en-US" dirty="0"/>
-              <a:t>topics</a:t>
+              <a:t>Presentation topics</a:t>
             </a:r>
           </a:p>
         </p:txBody>
@@ -5293,7 +5402,7 @@
           <a:p>
             <a:r>
               <a:rPr lang="en-US" dirty="0"/>
-              <a:t>The PowerShell Pipeline - how objects pass through the pipeline and get formatted</a:t>
+              <a:t>The PowerShell Pipeline - how objects pass through the pipeline and formatting engine</a:t>
             </a:r>
           </a:p>
           <a:p>
@@ -5305,7 +5414,7 @@
           <a:p>
             <a:r>
               <a:rPr lang="en-US" dirty="0"/>
-              <a:t>Extending and formatting objects in interactive PS Sessions and in modules</a:t>
+              <a:t>Extending and formatting objects in interactive PowerShell sessions and modules</a:t>
             </a:r>
           </a:p>
           <a:p>
@@ -9528,6 +9637,21 @@
 </file>
 
 <file path=customXml/item1.xml><?xml version="1.0" encoding="utf-8"?>
+<?mso-contentType ?>
+<FormTemplates xmlns="http://schemas.microsoft.com/sharepoint/v3/contenttype/forms">
+  <Display>DocumentLibraryForm</Display>
+  <Edit>DocumentLibraryForm</Edit>
+  <New>DocumentLibraryForm</New>
+</FormTemplates>
+</file>
+
+<file path=customXml/item2.xml><?xml version="1.0" encoding="utf-8"?>
+<p:properties xmlns:p="http://schemas.microsoft.com/office/2006/metadata/properties" xmlns:xsi="http://www.w3.org/2001/XMLSchema-instance" xmlns:pc="http://schemas.microsoft.com/office/infopath/2007/PartnerControls">
+  <documentManagement/>
+</p:properties>
+</file>
+
+<file path=customXml/item3.xml><?xml version="1.0" encoding="utf-8"?>
 <ct:contentTypeSchema xmlns:ct="http://schemas.microsoft.com/office/2006/metadata/contentType" xmlns:ma="http://schemas.microsoft.com/office/2006/metadata/properties/metaAttributes" ct:_="" ma:_="" ma:contentTypeName="Document" ma:contentTypeID="0x010100F4F7FF22093805478C1AC3DECA046AE2" ma:contentTypeVersion="8" ma:contentTypeDescription="Create a new document." ma:contentTypeScope="" ma:versionID="355f70b62edaa6431edc676a4e077378">
   <xsd:schema xmlns:xsd="http://www.w3.org/2001/XMLSchema" xmlns:xs="http://www.w3.org/2001/XMLSchema" xmlns:p="http://schemas.microsoft.com/office/2006/metadata/properties" xmlns:ns3="645951c4-77b2-4271-8f10-a0d3c1e36172" xmlns:ns4="4999cf13-cb53-4a3d-a90e-c2f6e51a4028" targetNamespace="http://schemas.microsoft.com/office/2006/metadata/properties" ma:root="true" ma:fieldsID="2227e73c82c8b7740b460282c33c29e7" ns3:_="" ns4:_="">
     <xsd:import namespace="645951c4-77b2-4271-8f10-a0d3c1e36172"/>
@@ -9718,36 +9842,10 @@
 </ct:contentTypeSchema>
 </file>
 
-<file path=customXml/item2.xml><?xml version="1.0" encoding="utf-8"?>
-<p:properties xmlns:p="http://schemas.microsoft.com/office/2006/metadata/properties" xmlns:xsi="http://www.w3.org/2001/XMLSchema-instance" xmlns:pc="http://schemas.microsoft.com/office/infopath/2007/PartnerControls">
-  <documentManagement/>
-</p:properties>
-</file>
-
-<file path=customXml/item3.xml><?xml version="1.0" encoding="utf-8"?>
-<?mso-contentType ?>
-<FormTemplates xmlns="http://schemas.microsoft.com/sharepoint/v3/contenttype/forms">
-  <Display>DocumentLibraryForm</Display>
-  <Edit>DocumentLibraryForm</Edit>
-  <New>DocumentLibraryForm</New>
-</FormTemplates>
-</file>
-
 <file path=customXml/itemProps1.xml><?xml version="1.0" encoding="utf-8"?>
-<ds:datastoreItem xmlns:ds="http://schemas.openxmlformats.org/officeDocument/2006/customXml" ds:itemID="{7B8DF68D-5FB3-440F-B135-BC13D85A75AA}">
+<ds:datastoreItem xmlns:ds="http://schemas.openxmlformats.org/officeDocument/2006/customXml" ds:itemID="{0C22064C-1319-48D9-99A8-E6155754BCCB}">
   <ds:schemaRefs>
-    <ds:schemaRef ds:uri="http://schemas.microsoft.com/office/2006/metadata/contentType"/>
-    <ds:schemaRef ds:uri="http://schemas.microsoft.com/office/2006/metadata/properties/metaAttributes"/>
-    <ds:schemaRef ds:uri="http://www.w3.org/2001/XMLSchema"/>
-    <ds:schemaRef ds:uri="http://schemas.microsoft.com/office/2006/metadata/properties"/>
-    <ds:schemaRef ds:uri="645951c4-77b2-4271-8f10-a0d3c1e36172"/>
-    <ds:schemaRef ds:uri="4999cf13-cb53-4a3d-a90e-c2f6e51a4028"/>
-    <ds:schemaRef ds:uri="http://schemas.microsoft.com/office/2006/documentManagement/types"/>
-    <ds:schemaRef ds:uri="http://schemas.microsoft.com/office/infopath/2007/PartnerControls"/>
-    <ds:schemaRef ds:uri="http://schemas.openxmlformats.org/package/2006/metadata/core-properties"/>
-    <ds:schemaRef ds:uri="http://purl.org/dc/elements/1.1/"/>
-    <ds:schemaRef ds:uri="http://purl.org/dc/terms/"/>
-    <ds:schemaRef ds:uri="http://schemas.microsoft.com/internal/obd"/>
+    <ds:schemaRef ds:uri="http://schemas.microsoft.com/sharepoint/v3/contenttype/forms"/>
   </ds:schemaRefs>
 </ds:datastoreItem>
 </file>
@@ -9770,9 +9868,20 @@
 </file>
 
 <file path=customXml/itemProps3.xml><?xml version="1.0" encoding="utf-8"?>
-<ds:datastoreItem xmlns:ds="http://schemas.openxmlformats.org/officeDocument/2006/customXml" ds:itemID="{0C22064C-1319-48D9-99A8-E6155754BCCB}">
+<ds:datastoreItem xmlns:ds="http://schemas.openxmlformats.org/officeDocument/2006/customXml" ds:itemID="{7B8DF68D-5FB3-440F-B135-BC13D85A75AA}">
   <ds:schemaRefs>
-    <ds:schemaRef ds:uri="http://schemas.microsoft.com/sharepoint/v3/contenttype/forms"/>
+    <ds:schemaRef ds:uri="http://schemas.microsoft.com/office/2006/metadata/contentType"/>
+    <ds:schemaRef ds:uri="http://schemas.microsoft.com/office/2006/metadata/properties/metaAttributes"/>
+    <ds:schemaRef ds:uri="http://www.w3.org/2001/XMLSchema"/>
+    <ds:schemaRef ds:uri="http://schemas.microsoft.com/office/2006/metadata/properties"/>
+    <ds:schemaRef ds:uri="645951c4-77b2-4271-8f10-a0d3c1e36172"/>
+    <ds:schemaRef ds:uri="4999cf13-cb53-4a3d-a90e-c2f6e51a4028"/>
+    <ds:schemaRef ds:uri="http://schemas.microsoft.com/office/2006/documentManagement/types"/>
+    <ds:schemaRef ds:uri="http://schemas.microsoft.com/office/infopath/2007/PartnerControls"/>
+    <ds:schemaRef ds:uri="http://schemas.openxmlformats.org/package/2006/metadata/core-properties"/>
+    <ds:schemaRef ds:uri="http://purl.org/dc/elements/1.1/"/>
+    <ds:schemaRef ds:uri="http://purl.org/dc/terms/"/>
+    <ds:schemaRef ds:uri="http://schemas.microsoft.com/internal/obd"/>
   </ds:schemaRefs>
 </ds:datastoreItem>
 </file>